--- a/3. AzureBonn - AzureARM Templates.pptx
+++ b/3. AzureBonn - AzureARM Templates.pptx
@@ -140,7 +140,7 @@
   <pc:docChgLst>
     <pc:chgData userId="4ee131f0be128f84" providerId="LiveId" clId="{52CB7A61-9A08-4362-8D91-E994DCB4B822}"/>
     <pc:docChg chg="undo custSel addSld delSld modSld sldOrd modMainMaster">
-      <pc:chgData name="" userId="4ee131f0be128f84" providerId="LiveId" clId="{52CB7A61-9A08-4362-8D91-E994DCB4B822}" dt="2018-03-01T10:16:40.803" v="754"/>
+      <pc:chgData name="" userId="4ee131f0be128f84" providerId="LiveId" clId="{52CB7A61-9A08-4362-8D91-E994DCB4B822}" dt="2018-03-05T14:58:25.081" v="790" actId="20577"/>
       <pc:docMkLst>
         <pc:docMk/>
       </pc:docMkLst>
@@ -261,7 +261,7 @@
           </ac:spMkLst>
         </pc:spChg>
         <pc:spChg chg="add del mod">
-          <ac:chgData name="" userId="4ee131f0be128f84" providerId="LiveId" clId="{52CB7A61-9A08-4362-8D91-E994DCB4B822}" dt="2018-03-01T09:47:45.112" v="380"/>
+          <ac:chgData name="" userId="4ee131f0be128f84" providerId="LiveId" clId="{52CB7A61-9A08-4362-8D91-E994DCB4B822}" dt="2018-03-01T09:47:45.112" v="380" actId="478"/>
           <ac:spMkLst>
             <pc:docMk/>
             <pc:sldMk cId="1006033479" sldId="260"/>
@@ -341,7 +341,7 @@
         </pc:spChg>
       </pc:sldChg>
       <pc:sldChg chg="modSp">
-        <pc:chgData name="" userId="4ee131f0be128f84" providerId="LiveId" clId="{52CB7A61-9A08-4362-8D91-E994DCB4B822}" dt="2018-03-01T10:02:54.378" v="530"/>
+        <pc:chgData name="" userId="4ee131f0be128f84" providerId="LiveId" clId="{52CB7A61-9A08-4362-8D91-E994DCB4B822}" dt="2018-03-05T14:58:25.081" v="790" actId="20577"/>
         <pc:sldMkLst>
           <pc:docMk/>
           <pc:sldMk cId="157395927" sldId="267"/>
@@ -354,13 +354,14 @@
             <ac:spMk id="4" creationId="{27536638-9FB1-4FD3-8029-C4CE691EA5AE}"/>
           </ac:spMkLst>
         </pc:spChg>
-      </pc:sldChg>
-      <pc:sldChg chg="add del">
-        <pc:chgData name="" userId="4ee131f0be128f84" providerId="LiveId" clId="{52CB7A61-9A08-4362-8D91-E994DCB4B822}" dt="2018-03-01T09:27:00.370" v="1" actId="2696"/>
-        <pc:sldMkLst>
-          <pc:docMk/>
-          <pc:sldMk cId="1143581634" sldId="268"/>
-        </pc:sldMkLst>
+        <pc:spChg chg="mod">
+          <ac:chgData name="" userId="4ee131f0be128f84" providerId="LiveId" clId="{52CB7A61-9A08-4362-8D91-E994DCB4B822}" dt="2018-03-05T14:58:25.081" v="790" actId="20577"/>
+          <ac:spMkLst>
+            <pc:docMk/>
+            <pc:sldMk cId="157395927" sldId="267"/>
+            <ac:spMk id="6" creationId="{EB11B5EA-D35A-4829-B4A7-4296D8FC95F4}"/>
+          </ac:spMkLst>
+        </pc:spChg>
       </pc:sldChg>
       <pc:sldChg chg="addSp modSp add">
         <pc:chgData name="" userId="4ee131f0be128f84" providerId="LiveId" clId="{52CB7A61-9A08-4362-8D91-E994DCB4B822}" dt="2018-03-01T09:30:43.265" v="250" actId="113"/>
@@ -390,85 +391,6 @@
             <pc:docMk/>
             <pc:sldMk cId="1384673880" sldId="268"/>
             <ac:picMk id="5" creationId="{286C0815-632F-430F-955B-E940C60D789C}"/>
-          </ac:picMkLst>
-        </pc:picChg>
-      </pc:sldChg>
-      <pc:sldChg chg="addSp delSp modSp add del delAnim">
-        <pc:chgData name="" userId="4ee131f0be128f84" providerId="LiveId" clId="{52CB7A61-9A08-4362-8D91-E994DCB4B822}" dt="2018-03-01T09:52:37.177" v="432" actId="2696"/>
-        <pc:sldMkLst>
-          <pc:docMk/>
-          <pc:sldMk cId="2373290619" sldId="269"/>
-        </pc:sldMkLst>
-        <pc:spChg chg="mod">
-          <ac:chgData name="" userId="4ee131f0be128f84" providerId="LiveId" clId="{52CB7A61-9A08-4362-8D91-E994DCB4B822}" dt="2018-03-01T09:33:59.493" v="325" actId="20577"/>
-          <ac:spMkLst>
-            <pc:docMk/>
-            <pc:sldMk cId="2373290619" sldId="269"/>
-            <ac:spMk id="2" creationId="{3EA7BDE6-2EB3-4AF8-A9C9-66EAD94B11CB}"/>
-          </ac:spMkLst>
-        </pc:spChg>
-        <pc:spChg chg="del">
-          <ac:chgData name="" userId="4ee131f0be128f84" providerId="LiveId" clId="{52CB7A61-9A08-4362-8D91-E994DCB4B822}" dt="2018-03-01T09:34:06.294" v="326" actId="478"/>
-          <ac:spMkLst>
-            <pc:docMk/>
-            <pc:sldMk cId="2373290619" sldId="269"/>
-            <ac:spMk id="7" creationId="{8BC90A09-B38F-4893-8414-7CD17D178652}"/>
-          </ac:spMkLst>
-        </pc:spChg>
-        <pc:spChg chg="del">
-          <ac:chgData name="" userId="4ee131f0be128f84" providerId="LiveId" clId="{52CB7A61-9A08-4362-8D91-E994DCB4B822}" dt="2018-03-01T09:34:06.294" v="326" actId="478"/>
-          <ac:spMkLst>
-            <pc:docMk/>
-            <pc:sldMk cId="2373290619" sldId="269"/>
-            <ac:spMk id="8" creationId="{1835C9DB-692B-4A8D-91DC-FFF6247F2AC6}"/>
-          </ac:spMkLst>
-        </pc:spChg>
-        <pc:spChg chg="add mod">
-          <ac:chgData name="" userId="4ee131f0be128f84" providerId="LiveId" clId="{52CB7A61-9A08-4362-8D91-E994DCB4B822}" dt="2018-03-01T09:35:26.198" v="330"/>
-          <ac:spMkLst>
-            <pc:docMk/>
-            <pc:sldMk cId="2373290619" sldId="269"/>
-            <ac:spMk id="9" creationId="{0F51C0C5-6DDD-4401-A22D-57C3BCA419FA}"/>
-          </ac:spMkLst>
-        </pc:spChg>
-        <pc:spChg chg="mod">
-          <ac:chgData name="" userId="4ee131f0be128f84" providerId="LiveId" clId="{52CB7A61-9A08-4362-8D91-E994DCB4B822}" dt="2018-03-01T09:35:42.055" v="332" actId="1076"/>
-          <ac:spMkLst>
-            <pc:docMk/>
-            <pc:sldMk cId="2373290619" sldId="269"/>
-            <ac:spMk id="11" creationId="{66D0E92B-1BAD-4B7B-876C-138DADE26F8F}"/>
-          </ac:spMkLst>
-        </pc:spChg>
-        <pc:spChg chg="add del mod">
-          <ac:chgData name="" userId="4ee131f0be128f84" providerId="LiveId" clId="{52CB7A61-9A08-4362-8D91-E994DCB4B822}" dt="2018-03-01T09:35:30.832" v="331" actId="478"/>
-          <ac:spMkLst>
-            <pc:docMk/>
-            <pc:sldMk cId="2373290619" sldId="269"/>
-            <ac:spMk id="12" creationId="{5F9AED52-B8E5-4051-B017-C2BFD3ABEB1F}"/>
-          </ac:spMkLst>
-        </pc:spChg>
-        <pc:picChg chg="del">
-          <ac:chgData name="" userId="4ee131f0be128f84" providerId="LiveId" clId="{52CB7A61-9A08-4362-8D91-E994DCB4B822}" dt="2018-03-01T09:34:06.294" v="326" actId="478"/>
-          <ac:picMkLst>
-            <pc:docMk/>
-            <pc:sldMk cId="2373290619" sldId="269"/>
-            <ac:picMk id="5" creationId="{0EE1B8D6-C559-42DE-A5BD-096475066D64}"/>
-          </ac:picMkLst>
-        </pc:picChg>
-        <pc:picChg chg="del">
-          <ac:chgData name="" userId="4ee131f0be128f84" providerId="LiveId" clId="{52CB7A61-9A08-4362-8D91-E994DCB4B822}" dt="2018-03-01T09:34:06.294" v="326" actId="478"/>
-          <ac:picMkLst>
-            <pc:docMk/>
-            <pc:sldMk cId="2373290619" sldId="269"/>
-            <ac:picMk id="6" creationId="{6A212734-36EC-4925-B6AA-E4B93191E0FA}"/>
-          </ac:picMkLst>
-        </pc:picChg>
-        <pc:picChg chg="mod">
-          <ac:chgData name="" userId="4ee131f0be128f84" providerId="LiveId" clId="{52CB7A61-9A08-4362-8D91-E994DCB4B822}" dt="2018-03-01T09:35:42.055" v="332" actId="1076"/>
-          <ac:picMkLst>
-            <pc:docMk/>
-            <pc:sldMk cId="2373290619" sldId="269"/>
-            <ac:picMk id="10" creationId="{36D5BE95-BECC-4733-8F9C-1B07B2ADDA81}"/>
           </ac:picMkLst>
         </pc:picChg>
       </pc:sldChg>
@@ -583,7 +505,7 @@
           <a:p>
             <a:fld id="{1FC3341F-0C55-4C8F-B15B-0191D7D89B5D}" type="datetimeFigureOut">
               <a:rPr lang="de-DE" smtClean="0"/>
-              <a:t>01.03.2018</a:t>
+              <a:t>05.03.2018</a:t>
             </a:fld>
             <a:endParaRPr lang="de-DE"/>
           </a:p>
@@ -887,7 +809,7 @@
             <a:fld id="{26FA5B98-29A5-4522-B5A6-4C438136FD00}" type="datetime1">
               <a:rPr lang="de-DE"/>
               <a:pPr/>
-              <a:t>01.03.2018</a:t>
+              <a:t>05.03.2018</a:t>
             </a:fld>
             <a:endParaRPr lang="de-DE" dirty="0"/>
           </a:p>
@@ -1080,7 +1002,7 @@
           <a:p>
             <a:fld id="{EF617A4E-D3F1-4F1D-A735-6FDB733985F3}" type="datetime1">
               <a:rPr lang="de-DE" smtClean="0"/>
-              <a:t>01.03.2018</a:t>
+              <a:t>05.03.2018</a:t>
             </a:fld>
             <a:endParaRPr lang="de-DE" dirty="0"/>
           </a:p>
@@ -1391,7 +1313,7 @@
           <a:p>
             <a:fld id="{6FF1D10D-9FE0-4781-A466-F943D1D5EDF3}" type="datetime1">
               <a:rPr lang="de-DE" smtClean="0"/>
-              <a:t>01.03.2018</a:t>
+              <a:t>05.03.2018</a:t>
             </a:fld>
             <a:endParaRPr lang="de-DE"/>
           </a:p>
@@ -1592,7 +1514,7 @@
           <a:p>
             <a:fld id="{20FA97AD-D0DD-468C-8962-6F6139B2CB67}" type="datetime1">
               <a:rPr lang="de-DE" smtClean="0"/>
-              <a:t>01.03.2018</a:t>
+              <a:t>05.03.2018</a:t>
             </a:fld>
             <a:endParaRPr lang="de-DE"/>
           </a:p>
@@ -1994,7 +1916,7 @@
             <a:fld id="{511110B1-5D0A-49F0-9940-964C42EA8456}" type="datetime1">
               <a:rPr lang="de-DE" smtClean="0"/>
               <a:pPr/>
-              <a:t>01.03.2018</a:t>
+              <a:t>05.03.2018</a:t>
             </a:fld>
             <a:endParaRPr lang="de-DE" dirty="0"/>
           </a:p>
@@ -2495,7 +2417,7 @@
           <a:p>
             <a:fld id="{93F60345-1EA2-4B69-B767-E525A3C2A026}" type="datetime1">
               <a:rPr lang="de-DE" smtClean="0"/>
-              <a:t>01.03.2018</a:t>
+              <a:t>05.03.2018</a:t>
             </a:fld>
             <a:endParaRPr lang="de-DE"/>
           </a:p>
@@ -2809,7 +2731,7 @@
           <a:p>
             <a:fld id="{C52CB2D1-97A0-42A9-9D97-BD4889C5B434}" type="datetime1">
               <a:rPr lang="de-DE" smtClean="0"/>
-              <a:t>01.03.2018</a:t>
+              <a:t>05.03.2018</a:t>
             </a:fld>
             <a:endParaRPr lang="de-DE"/>
           </a:p>
@@ -3077,7 +2999,7 @@
           <a:p>
             <a:fld id="{E42E2172-073E-4F12-B886-B43846F0DF2F}" type="datetime1">
               <a:rPr lang="de-DE" smtClean="0"/>
-              <a:t>01.03.2018</a:t>
+              <a:t>05.03.2018</a:t>
             </a:fld>
             <a:endParaRPr lang="de-DE"/>
           </a:p>
@@ -3528,7 +3450,7 @@
           <a:p>
             <a:fld id="{BF7DAA22-8B0C-45B6-B1DF-56C5DBA5AFF7}" type="datetime1">
               <a:rPr lang="de-DE" smtClean="0"/>
-              <a:t>01.03.2018</a:t>
+              <a:t>05.03.2018</a:t>
             </a:fld>
             <a:endParaRPr lang="de-DE"/>
           </a:p>
@@ -3708,7 +3630,7 @@
           <a:p>
             <a:fld id="{E8E521B9-21AD-4309-B7CF-0B27FD850F88}" type="datetime1">
               <a:rPr lang="de-DE" smtClean="0"/>
-              <a:t>01.03.2018</a:t>
+              <a:t>05.03.2018</a:t>
             </a:fld>
             <a:endParaRPr lang="de-DE"/>
           </a:p>
@@ -3860,7 +3782,7 @@
           <a:p>
             <a:fld id="{FE3C7DAE-D66A-4092-B86F-77D15F07C7E4}" type="datetime1">
               <a:rPr lang="de-DE" smtClean="0"/>
-              <a:t>01.03.2018</a:t>
+              <a:t>05.03.2018</a:t>
             </a:fld>
             <a:endParaRPr lang="de-DE"/>
           </a:p>
@@ -4174,7 +4096,7 @@
           <a:p>
             <a:fld id="{2B8383A9-53B2-43BD-8D6F-6423125336B7}" type="datetime1">
               <a:rPr lang="de-DE" smtClean="0"/>
-              <a:t>01.03.2018</a:t>
+              <a:t>05.03.2018</a:t>
             </a:fld>
             <a:endParaRPr lang="de-DE"/>
           </a:p>
@@ -4505,7 +4427,7 @@
             <a:fld id="{511110B1-5D0A-49F0-9940-964C42EA8456}" type="datetime1">
               <a:rPr lang="de-DE" smtClean="0"/>
               <a:pPr/>
-              <a:t>01.03.2018</a:t>
+              <a:t>05.03.2018</a:t>
             </a:fld>
             <a:endParaRPr lang="de-DE" dirty="0"/>
           </a:p>
@@ -9461,53 +9383,66 @@
           </a:p>
           <a:p>
             <a:pPr marL="0" indent="0">
-              <a:buFont typeface="Arial" panose="020B0604020202020204" pitchFamily="34" charset="0"/>
               <a:buNone/>
             </a:pPr>
-            <a:endParaRPr lang="de-DE" dirty="0"/>
-          </a:p>
-          <a:p>
-            <a:pPr marL="0" indent="0">
-              <a:buFont typeface="Arial" panose="020B0604020202020204" pitchFamily="34" charset="0"/>
-              <a:buNone/>
-            </a:pPr>
-            <a:endParaRPr lang="de-DE" dirty="0"/>
-          </a:p>
-          <a:p>
-            <a:pPr marL="0" indent="0">
-              <a:buFont typeface="Arial" panose="020B0604020202020204" pitchFamily="34" charset="0"/>
-              <a:buNone/>
-            </a:pPr>
-            <a:endParaRPr lang="de-DE" dirty="0"/>
-          </a:p>
-          <a:p>
-            <a:pPr marL="0" indent="0">
-              <a:buFont typeface="Arial" panose="020B0604020202020204" pitchFamily="34" charset="0"/>
-              <a:buNone/>
-            </a:pPr>
             <a:r>
               <a:rPr lang="de-DE" dirty="0"/>
-              <a:t>Speaker Fabian Flanhardt </a:t>
-            </a:r>
-          </a:p>
-          <a:p>
-            <a:pPr marL="0" indent="0">
-              <a:buFont typeface="Arial" panose="020B0604020202020204" pitchFamily="34" charset="0"/>
-              <a:buNone/>
-            </a:pPr>
-            <a:r>
-              <a:rPr lang="de-DE" dirty="0"/>
-              <a:t>Twitter: </a:t>
+              <a:t>Link zum </a:t>
+            </a:r>
+            <a:r>
+              <a:rPr lang="de-DE" dirty="0" err="1"/>
+              <a:t>Git</a:t>
+            </a:r>
+            <a:r>
+              <a:rPr lang="de-DE"/>
+              <a:t>-Repository  </a:t>
             </a:r>
             <a:r>
               <a:rPr lang="de-DE" dirty="0">
                 <a:hlinkClick r:id="rId2"/>
               </a:rPr>
+              <a:t>https://github.com/ceterion/ct.arm.meetup.deploychristmas</a:t>
+            </a:r>
+            <a:r>
+              <a:rPr lang="de-DE" dirty="0"/>
+              <a:t> </a:t>
+            </a:r>
+          </a:p>
+          <a:p>
+            <a:pPr marL="0" indent="0">
+              <a:buFont typeface="Arial" panose="020B0604020202020204" pitchFamily="34" charset="0"/>
+              <a:buNone/>
+            </a:pPr>
+            <a:endParaRPr lang="de-DE" dirty="0"/>
+          </a:p>
+          <a:p>
+            <a:pPr marL="0" indent="0">
+              <a:buFont typeface="Arial" panose="020B0604020202020204" pitchFamily="34" charset="0"/>
+              <a:buNone/>
+            </a:pPr>
+            <a:r>
+              <a:rPr lang="de-DE" dirty="0"/>
+              <a:t>Speaker Fabian Flanhardt </a:t>
+            </a:r>
+          </a:p>
+          <a:p>
+            <a:pPr marL="0" indent="0">
+              <a:buFont typeface="Arial" panose="020B0604020202020204" pitchFamily="34" charset="0"/>
+              <a:buNone/>
+            </a:pPr>
+            <a:r>
+              <a:rPr lang="de-DE" dirty="0"/>
+              <a:t>Twitter: </a:t>
+            </a:r>
+            <a:r>
+              <a:rPr lang="de-DE" dirty="0">
+                <a:hlinkClick r:id="rId3"/>
+              </a:rPr>
               <a:t>@</a:t>
             </a:r>
             <a:r>
               <a:rPr lang="de-DE" dirty="0" err="1">
-                <a:hlinkClick r:id="rId2"/>
+                <a:hlinkClick r:id="rId3"/>
               </a:rPr>
               <a:t>fabianflanhardt</a:t>
             </a:r>
@@ -9524,7 +9459,7 @@
             </a:r>
             <a:r>
               <a:rPr lang="de-DE" dirty="0">
-                <a:hlinkClick r:id="rId3"/>
+                <a:hlinkClick r:id="rId4"/>
               </a:rPr>
               <a:t>Fabian Flanhardt</a:t>
             </a:r>
@@ -9547,7 +9482,7 @@
           <p:nvPr/>
         </p:nvPicPr>
         <p:blipFill>
-          <a:blip r:embed="rId4">
+          <a:blip r:embed="rId5">
             <a:extLst>
               <a:ext uri="{28A0092B-C50C-407E-A947-70E740481C1C}">
                 <a14:useLocalDpi xmlns:a14="http://schemas.microsoft.com/office/drawing/2010/main" val="0"/>
@@ -10078,6 +10013,21 @@
 </file>
 
 <file path=customXml/item1.xml><?xml version="1.0" encoding="utf-8"?>
+<?mso-contentType ?>
+<FormTemplates xmlns="http://schemas.microsoft.com/sharepoint/v3/contenttype/forms">
+  <Display>DocumentLibraryForm</Display>
+  <Edit>DocumentLibraryForm</Edit>
+  <New>DocumentLibraryForm</New>
+</FormTemplates>
+</file>
+
+<file path=customXml/item2.xml><?xml version="1.0" encoding="utf-8"?>
+<p:properties xmlns:p="http://schemas.microsoft.com/office/2006/metadata/properties" xmlns:xsi="http://www.w3.org/2001/XMLSchema-instance" xmlns:pc="http://schemas.microsoft.com/office/infopath/2007/PartnerControls">
+  <documentManagement/>
+</p:properties>
+</file>
+
+<file path=customXml/item3.xml><?xml version="1.0" encoding="utf-8"?>
 <ct:contentTypeSchema xmlns:ct="http://schemas.microsoft.com/office/2006/metadata/contentType" xmlns:ma="http://schemas.microsoft.com/office/2006/metadata/properties/metaAttributes" ct:_="" ma:_="" ma:contentTypeName="Document" ma:contentTypeID="0x0101001F112F312FB99D4C8C85E3CAD0E55F42" ma:contentTypeVersion="4" ma:contentTypeDescription="Create a new document." ma:contentTypeScope="" ma:versionID="ec48e5751b103e566fe3d559e8dd9e2b">
   <xsd:schema xmlns:xsd="http://www.w3.org/2001/XMLSchema" xmlns:xs="http://www.w3.org/2001/XMLSchema" xmlns:p="http://schemas.microsoft.com/office/2006/metadata/properties" xmlns:ns2="d852a3fa-7f53-4bce-9e2d-7f4925209575" targetNamespace="http://schemas.microsoft.com/office/2006/metadata/properties" ma:root="true" ma:fieldsID="5d73d0c807f4727bdee2e942b5c886d3" ns2:_="">
     <xsd:import namespace="d852a3fa-7f53-4bce-9e2d-7f4925209575"/>
@@ -10223,22 +10173,24 @@
 </ct:contentTypeSchema>
 </file>
 
-<file path=customXml/item2.xml><?xml version="1.0" encoding="utf-8"?>
-<p:properties xmlns:p="http://schemas.microsoft.com/office/2006/metadata/properties" xmlns:xsi="http://www.w3.org/2001/XMLSchema-instance" xmlns:pc="http://schemas.microsoft.com/office/infopath/2007/PartnerControls">
-  <documentManagement/>
-</p:properties>
+<file path=customXml/itemProps1.xml><?xml version="1.0" encoding="utf-8"?>
+<ds:datastoreItem xmlns:ds="http://schemas.openxmlformats.org/officeDocument/2006/customXml" ds:itemID="{AB651D1B-557D-4042-BC35-EFEC30942A2C}">
+  <ds:schemaRefs>
+    <ds:schemaRef ds:uri="http://schemas.microsoft.com/sharepoint/v3/contenttype/forms"/>
+  </ds:schemaRefs>
+</ds:datastoreItem>
 </file>
 
-<file path=customXml/item3.xml><?xml version="1.0" encoding="utf-8"?>
-<?mso-contentType ?>
-<FormTemplates xmlns="http://schemas.microsoft.com/sharepoint/v3/contenttype/forms">
-  <Display>DocumentLibraryForm</Display>
-  <Edit>DocumentLibraryForm</Edit>
-  <New>DocumentLibraryForm</New>
-</FormTemplates>
+<file path=customXml/itemProps2.xml><?xml version="1.0" encoding="utf-8"?>
+<ds:datastoreItem xmlns:ds="http://schemas.openxmlformats.org/officeDocument/2006/customXml" ds:itemID="{A2CB66C7-C0EB-4429-BE19-E9C9E3FB02EF}">
+  <ds:schemaRefs>
+    <ds:schemaRef ds:uri="http://schemas.microsoft.com/office/2006/metadata/properties"/>
+    <ds:schemaRef ds:uri="http://schemas.microsoft.com/office/infopath/2007/PartnerControls"/>
+  </ds:schemaRefs>
+</ds:datastoreItem>
 </file>
 
-<file path=customXml/itemProps1.xml><?xml version="1.0" encoding="utf-8"?>
+<file path=customXml/itemProps3.xml><?xml version="1.0" encoding="utf-8"?>
 <ds:datastoreItem xmlns:ds="http://schemas.openxmlformats.org/officeDocument/2006/customXml" ds:itemID="{2A9F5563-62DB-4324-9FCF-4BA7D8C0532C}">
   <ds:schemaRefs>
     <ds:schemaRef ds:uri="http://schemas.microsoft.com/office/2006/metadata/contentType"/>
@@ -10254,28 +10206,4 @@
     <ds:schemaRef ds:uri="http://schemas.microsoft.com/internal/obd"/>
   </ds:schemaRefs>
 </ds:datastoreItem>
-</file>
-
-<file path=customXml/itemProps2.xml><?xml version="1.0" encoding="utf-8"?>
-<ds:datastoreItem xmlns:ds="http://schemas.openxmlformats.org/officeDocument/2006/customXml" ds:itemID="{A2CB66C7-C0EB-4429-BE19-E9C9E3FB02EF}">
-  <ds:schemaRefs>
-    <ds:schemaRef ds:uri="d852a3fa-7f53-4bce-9e2d-7f4925209575"/>
-    <ds:schemaRef ds:uri="http://purl.org/dc/terms/"/>
-    <ds:schemaRef ds:uri="http://schemas.openxmlformats.org/package/2006/metadata/core-properties"/>
-    <ds:schemaRef ds:uri="http://purl.org/dc/dcmitype/"/>
-    <ds:schemaRef ds:uri="http://schemas.microsoft.com/office/infopath/2007/PartnerControls"/>
-    <ds:schemaRef ds:uri="http://purl.org/dc/elements/1.1/"/>
-    <ds:schemaRef ds:uri="http://schemas.microsoft.com/office/2006/documentManagement/types"/>
-    <ds:schemaRef ds:uri="http://schemas.microsoft.com/office/2006/metadata/properties"/>
-    <ds:schemaRef ds:uri="http://www.w3.org/XML/1998/namespace"/>
-  </ds:schemaRefs>
-</ds:datastoreItem>
-</file>
-
-<file path=customXml/itemProps3.xml><?xml version="1.0" encoding="utf-8"?>
-<ds:datastoreItem xmlns:ds="http://schemas.openxmlformats.org/officeDocument/2006/customXml" ds:itemID="{AB651D1B-557D-4042-BC35-EFEC30942A2C}">
-  <ds:schemaRefs>
-    <ds:schemaRef ds:uri="http://schemas.microsoft.com/sharepoint/v3/contenttype/forms"/>
-  </ds:schemaRefs>
-</ds:datastoreItem>
 </file>